--- a/Daily Agendas/Day7.1_PythonPixels.pptx
+++ b/Daily Agendas/Day7.1_PythonPixels.pptx
@@ -3073,11 +3073,7 @@
           <a:p>
             <a:r>
               <a:rPr lang="en-US" dirty="0"/>
-              <a:t>Mod B.3 Python Pixels </a:t>
-            </a:r>
-            <a:r>
-              <a:rPr lang="en-US" dirty="0"/>
-              <a:t>– Oct </a:t>
+              <a:t>Mod B.3 Python Pixels – Oct </a:t>
             </a:r>
             <a:r>
               <a:rPr lang="en-US" dirty="0" smtClean="0"/>
@@ -3136,10 +3132,6 @@
             <a:r>
               <a:rPr lang="en-CA" dirty="0"/>
               <a:t>Copy and Paste the Sample Programs</a:t>
-            </a:r>
-            <a:r>
-              <a:rPr lang="en-CA" dirty="0"/>
-              <a:t/>
             </a:r>
             <a:br>
               <a:rPr lang="en-CA" dirty="0"/>
